--- a/FacebookNativeAds_LPintegration.pptx
+++ b/FacebookNativeAds_LPintegration.pptx
@@ -5,13 +5,14 @@
     <p:sldMasterId id="2147483670" r:id="rId1"/>
   </p:sldMasterIdLst>
   <p:notesMasterIdLst>
-    <p:notesMasterId r:id="rId6"/>
+    <p:notesMasterId r:id="rId7"/>
   </p:notesMasterIdLst>
   <p:sldIdLst>
     <p:sldId id="256" r:id="rId2"/>
     <p:sldId id="290" r:id="rId3"/>
     <p:sldId id="294" r:id="rId4"/>
     <p:sldId id="295" r:id="rId5"/>
+    <p:sldId id="296" r:id="rId6"/>
   </p:sldIdLst>
   <p:sldSz cx="9144000" cy="5143500" type="screen16x9"/>
   <p:notesSz cx="6858000" cy="9144000"/>
@@ -226,6 +227,7 @@
             <p14:sldId id="290"/>
             <p14:sldId id="294"/>
             <p14:sldId id="295"/>
+            <p14:sldId id="296"/>
           </p14:sldIdLst>
         </p14:section>
       </p14:sectionLst>
@@ -1191,6 +1193,142 @@
     <p:extLst>
       <p:ext uri="{BB962C8B-B14F-4D97-AF65-F5344CB8AC3E}">
         <p14:creationId xmlns:p14="http://schemas.microsoft.com/office/powerpoint/2010/main" val="528734312"/>
+      </p:ext>
+    </p:extLst>
+  </p:cSld>
+  <p:clrMapOvr>
+    <a:masterClrMapping/>
+  </p:clrMapOvr>
+</p:notes>
+</file>
+
+<file path=ppt/notesSlides/notesSlide5.xml><?xml version="1.0" encoding="utf-8"?>
+<p:notes xmlns:a="http://schemas.openxmlformats.org/drawingml/2006/main" xmlns:r="http://schemas.openxmlformats.org/officeDocument/2006/relationships" xmlns:p="http://schemas.openxmlformats.org/presentationml/2006/main" showMasterSp="0" showMasterPhAnim="0">
+  <p:cSld>
+    <p:spTree>
+      <p:nvGrpSpPr>
+        <p:cNvPr id="1" name="Shape 170"/>
+        <p:cNvGrpSpPr/>
+        <p:nvPr/>
+      </p:nvGrpSpPr>
+      <p:grpSpPr>
+        <a:xfrm>
+          <a:off x="0" y="0"/>
+          <a:ext cx="0" cy="0"/>
+          <a:chOff x="0" y="0"/>
+          <a:chExt cx="0" cy="0"/>
+        </a:xfrm>
+      </p:grpSpPr>
+      <p:sp>
+        <p:nvSpPr>
+          <p:cNvPr id="171" name="Shape 171"/>
+          <p:cNvSpPr txBox="1">
+            <a:spLocks noGrp="1"/>
+          </p:cNvSpPr>
+          <p:nvPr>
+            <p:ph type="body" idx="1"/>
+          </p:nvPr>
+        </p:nvSpPr>
+        <p:spPr>
+          <a:xfrm>
+            <a:off x="685800" y="4400550"/>
+            <a:ext cx="5486399" cy="3600599"/>
+          </a:xfrm>
+          <a:prstGeom prst="rect">
+            <a:avLst/>
+          </a:prstGeom>
+          <a:noFill/>
+          <a:ln>
+            <a:noFill/>
+          </a:ln>
+        </p:spPr>
+        <p:txBody>
+          <a:bodyPr lIns="91425" tIns="91425" rIns="91425" bIns="91425" anchor="ctr" anchorCtr="0">
+            <a:noAutofit/>
+          </a:bodyPr>
+          <a:lstStyle/>
+          <a:p>
+            <a:pPr marL="0" marR="0" lvl="0" indent="0" algn="l" rtl="0">
+              <a:spcBef>
+                <a:spcPts val="0"/>
+              </a:spcBef>
+              <a:spcAft>
+                <a:spcPts val="0"/>
+              </a:spcAft>
+              <a:buClr>
+                <a:schemeClr val="dk1"/>
+              </a:buClr>
+              <a:buSzPct val="25000"/>
+              <a:buFont typeface="Arial"/>
+              <a:buNone/>
+            </a:pPr>
+            <a:endParaRPr lang="en-US" sz="1100" b="0" i="0" u="none" strike="noStrike" cap="none" dirty="0">
+              <a:solidFill>
+                <a:schemeClr val="dk1"/>
+              </a:solidFill>
+              <a:latin typeface="Arial"/>
+              <a:ea typeface="Arial"/>
+              <a:cs typeface="Arial"/>
+              <a:sym typeface="Arial"/>
+            </a:endParaRPr>
+          </a:p>
+        </p:txBody>
+      </p:sp>
+      <p:sp>
+        <p:nvSpPr>
+          <p:cNvPr id="172" name="Shape 172"/>
+          <p:cNvSpPr>
+            <a:spLocks noGrp="1" noRot="1" noChangeAspect="1"/>
+          </p:cNvSpPr>
+          <p:nvPr>
+            <p:ph type="sldImg" idx="2"/>
+          </p:nvPr>
+        </p:nvSpPr>
+        <p:spPr>
+          <a:xfrm>
+            <a:off x="685800" y="1143000"/>
+            <a:ext cx="5486400" cy="3086100"/>
+          </a:xfrm>
+          <a:custGeom>
+            <a:avLst/>
+            <a:gdLst/>
+            <a:ahLst/>
+            <a:cxnLst/>
+            <a:rect l="0" t="0" r="0" b="0"/>
+            <a:pathLst>
+              <a:path w="120000" h="120000" extrusionOk="0">
+                <a:moveTo>
+                  <a:pt x="0" y="0"/>
+                </a:moveTo>
+                <a:lnTo>
+                  <a:pt x="120000" y="0"/>
+                </a:lnTo>
+                <a:lnTo>
+                  <a:pt x="120000" y="120000"/>
+                </a:lnTo>
+                <a:lnTo>
+                  <a:pt x="0" y="120000"/>
+                </a:lnTo>
+                <a:close/>
+              </a:path>
+            </a:pathLst>
+          </a:custGeom>
+          <a:noFill/>
+          <a:ln w="9525" cap="flat" cmpd="sng">
+            <a:solidFill>
+              <a:srgbClr val="000000"/>
+            </a:solidFill>
+            <a:prstDash val="solid"/>
+            <a:round/>
+            <a:headEnd type="none" w="med" len="med"/>
+            <a:tailEnd type="none" w="med" len="med"/>
+          </a:ln>
+        </p:spPr>
+      </p:sp>
+    </p:spTree>
+    <p:extLst>
+      <p:ext uri="{BB962C8B-B14F-4D97-AF65-F5344CB8AC3E}">
+        <p14:creationId xmlns:p14="http://schemas.microsoft.com/office/powerpoint/2010/main" val="1696515920"/>
       </p:ext>
     </p:extLst>
   </p:cSld>
@@ -14656,16 +14794,7 @@
                 <a:cs typeface="Avenir"/>
                 <a:sym typeface="Avenir"/>
               </a:rPr>
-              <a:t>Native Ads </a:t>
-            </a:r>
-            <a:r>
-              <a:rPr lang="en-US" sz="2000" dirty="0" smtClean="0">
-                <a:latin typeface="Avenir"/>
-                <a:ea typeface="Avenir"/>
-                <a:cs typeface="Avenir"/>
-                <a:sym typeface="Avenir"/>
-              </a:rPr>
-              <a:t>SDK Integration </a:t>
+              <a:t>Native Ads SDK Integration </a:t>
             </a:r>
             <a:endParaRPr lang="en-US" sz="2000" b="0" i="0" u="none" strike="noStrike" cap="none" dirty="0">
               <a:solidFill>
@@ -14731,43 +14860,7 @@
                 <a:cs typeface="Avenir"/>
                 <a:sym typeface="Avenir"/>
               </a:rPr>
-              <a:t>August</a:t>
-            </a:r>
-            <a:r>
-              <a:rPr lang="en-US" sz="1600" dirty="0" smtClean="0">
-                <a:solidFill>
-                  <a:schemeClr val="dk1"/>
-                </a:solidFill>
-                <a:latin typeface="Avenir"/>
-                <a:ea typeface="Avenir"/>
-                <a:cs typeface="Avenir"/>
-                <a:sym typeface="Avenir"/>
-              </a:rPr>
-              <a:t> </a:t>
-            </a:r>
-            <a:r>
-              <a:rPr lang="en-US" sz="1600" dirty="0" smtClean="0">
-                <a:solidFill>
-                  <a:schemeClr val="dk1"/>
-                </a:solidFill>
-                <a:latin typeface="Avenir"/>
-                <a:ea typeface="Avenir"/>
-                <a:cs typeface="Avenir"/>
-                <a:sym typeface="Avenir"/>
-              </a:rPr>
-              <a:t>29</a:t>
-            </a:r>
-            <a:r>
-              <a:rPr lang="en-US" sz="1600" dirty="0" smtClean="0">
-                <a:solidFill>
-                  <a:schemeClr val="dk1"/>
-                </a:solidFill>
-                <a:latin typeface="Avenir"/>
-                <a:ea typeface="Avenir"/>
-                <a:cs typeface="Avenir"/>
-                <a:sym typeface="Avenir"/>
-              </a:rPr>
-              <a:t>, </a:t>
+              <a:t>August 29, </a:t>
             </a:r>
             <a:r>
               <a:rPr lang="en-US" sz="1600" b="0" i="0" u="none" strike="noStrike" cap="none" dirty="0" smtClean="0">
@@ -15177,11 +15270,6 @@
               </a:rPr>
               <a:t> </a:t>
             </a:r>
-            <a:endParaRPr lang="en-US" sz="1100" dirty="0" smtClean="0">
-              <a:latin typeface="Avenir Book" charset="0"/>
-              <a:ea typeface="Avenir Book" charset="0"/>
-              <a:cs typeface="Avenir Book" charset="0"/>
-            </a:endParaRPr>
           </a:p>
           <a:p>
             <a:pPr marL="520700" indent="-342900">
@@ -15238,15 +15326,7 @@
                 <a:ea typeface="Avenir Book" charset="0"/>
                 <a:cs typeface="Avenir Book" charset="0"/>
               </a:rPr>
-              <a:t>In conjunction with Leanplum variables, t</a:t>
-            </a:r>
-            <a:r>
-              <a:rPr lang="en-US" sz="1100" dirty="0" smtClean="0">
-                <a:latin typeface="Avenir Book" charset="0"/>
-                <a:ea typeface="Avenir Book" charset="0"/>
-                <a:cs typeface="Avenir Book" charset="0"/>
-              </a:rPr>
-              <a:t>hese ad properties can be manipulated and dynamically updated </a:t>
+              <a:t>In conjunction with Leanplum variables, these ad properties can be manipulated and dynamically updated </a:t>
             </a:r>
           </a:p>
           <a:p>
@@ -16722,8 +16802,8 @@
         </p:nvSpPr>
         <p:spPr>
           <a:xfrm>
-            <a:off x="-11151" y="576620"/>
-            <a:ext cx="5872411" cy="1482721"/>
+            <a:off x="227854" y="829204"/>
+            <a:ext cx="8713692" cy="1482721"/>
           </a:xfrm>
           <a:prstGeom prst="rect">
             <a:avLst/>
@@ -17190,6 +17270,366 @@
       </p:sp>
       <p:pic>
         <p:nvPicPr>
+          <p:cNvPr id="18" name="Picture 17"/>
+          <p:cNvPicPr>
+            <a:picLocks noChangeAspect="1"/>
+          </p:cNvPicPr>
+          <p:nvPr/>
+        </p:nvPicPr>
+        <p:blipFill>
+          <a:blip r:embed="rId5">
+            <a:extLst>
+              <a:ext uri="{28A0092B-C50C-407E-A947-70E740481C1C}">
+                <a14:useLocalDpi xmlns:a14="http://schemas.microsoft.com/office/drawing/2010/main" val="0"/>
+              </a:ext>
+            </a:extLst>
+          </a:blip>
+          <a:stretch>
+            <a:fillRect/>
+          </a:stretch>
+        </p:blipFill>
+        <p:spPr>
+          <a:xfrm>
+            <a:off x="227855" y="2444194"/>
+            <a:ext cx="3532616" cy="506198"/>
+          </a:xfrm>
+          <a:prstGeom prst="rect">
+            <a:avLst/>
+          </a:prstGeom>
+        </p:spPr>
+      </p:pic>
+      <p:pic>
+        <p:nvPicPr>
+          <p:cNvPr id="7" name="Picture 6"/>
+          <p:cNvPicPr>
+            <a:picLocks noChangeAspect="1"/>
+          </p:cNvPicPr>
+          <p:nvPr/>
+        </p:nvPicPr>
+        <p:blipFill>
+          <a:blip r:embed="rId6">
+            <a:extLst>
+              <a:ext uri="{28A0092B-C50C-407E-A947-70E740481C1C}">
+                <a14:useLocalDpi xmlns:a14="http://schemas.microsoft.com/office/drawing/2010/main" val="0"/>
+              </a:ext>
+            </a:extLst>
+          </a:blip>
+          <a:stretch>
+            <a:fillRect/>
+          </a:stretch>
+        </p:blipFill>
+        <p:spPr>
+          <a:xfrm>
+            <a:off x="227854" y="3096669"/>
+            <a:ext cx="4584176" cy="1052977"/>
+          </a:xfrm>
+          <a:prstGeom prst="rect">
+            <a:avLst/>
+          </a:prstGeom>
+        </p:spPr>
+      </p:pic>
+      <p:pic>
+        <p:nvPicPr>
+          <p:cNvPr id="5" name="Picture 4"/>
+          <p:cNvPicPr>
+            <a:picLocks noChangeAspect="1"/>
+          </p:cNvPicPr>
+          <p:nvPr/>
+        </p:nvPicPr>
+        <p:blipFill>
+          <a:blip r:embed="rId7">
+            <a:extLst>
+              <a:ext uri="{28A0092B-C50C-407E-A947-70E740481C1C}">
+                <a14:useLocalDpi xmlns:a14="http://schemas.microsoft.com/office/drawing/2010/main" val="0"/>
+              </a:ext>
+            </a:extLst>
+          </a:blip>
+          <a:stretch>
+            <a:fillRect/>
+          </a:stretch>
+        </p:blipFill>
+        <p:spPr>
+          <a:xfrm>
+            <a:off x="4900126" y="2426225"/>
+            <a:ext cx="4074875" cy="1714767"/>
+          </a:xfrm>
+          <a:prstGeom prst="rect">
+            <a:avLst/>
+          </a:prstGeom>
+          <a:ln w="12700">
+            <a:solidFill>
+              <a:schemeClr val="tx1"/>
+            </a:solidFill>
+          </a:ln>
+        </p:spPr>
+      </p:pic>
+    </p:spTree>
+    <p:extLst>
+      <p:ext uri="{BB962C8B-B14F-4D97-AF65-F5344CB8AC3E}">
+        <p14:creationId xmlns:p14="http://schemas.microsoft.com/office/powerpoint/2010/main" val="636725159"/>
+      </p:ext>
+    </p:extLst>
+  </p:cSld>
+  <p:clrMapOvr>
+    <a:masterClrMapping/>
+  </p:clrMapOvr>
+  <p:timing>
+    <p:tnLst>
+      <p:par>
+        <p:cTn id="1" dur="indefinite" restart="never" nodeType="tmRoot"/>
+      </p:par>
+    </p:tnLst>
+  </p:timing>
+</p:sld>
+</file>
+
+<file path=ppt/slides/slide5.xml><?xml version="1.0" encoding="utf-8"?>
+<p:sld xmlns:a="http://schemas.openxmlformats.org/drawingml/2006/main" xmlns:r="http://schemas.openxmlformats.org/officeDocument/2006/relationships" xmlns:p="http://schemas.openxmlformats.org/presentationml/2006/main">
+  <p:cSld>
+    <p:spTree>
+      <p:nvGrpSpPr>
+        <p:cNvPr id="1" name="Shape 173"/>
+        <p:cNvGrpSpPr/>
+        <p:nvPr/>
+      </p:nvGrpSpPr>
+      <p:grpSpPr>
+        <a:xfrm>
+          <a:off x="0" y="0"/>
+          <a:ext cx="0" cy="0"/>
+          <a:chOff x="0" y="0"/>
+          <a:chExt cx="0" cy="0"/>
+        </a:xfrm>
+      </p:grpSpPr>
+      <p:pic>
+        <p:nvPicPr>
+          <p:cNvPr id="174" name="Shape 174"/>
+          <p:cNvPicPr preferRelativeResize="0"/>
+          <p:nvPr/>
+        </p:nvPicPr>
+        <p:blipFill rotWithShape="1">
+          <a:blip r:embed="rId3">
+            <a:alphaModFix/>
+          </a:blip>
+          <a:srcRect/>
+          <a:stretch/>
+        </p:blipFill>
+        <p:spPr>
+          <a:xfrm>
+            <a:off x="159502" y="4900130"/>
+            <a:ext cx="681299" cy="109200"/>
+          </a:xfrm>
+          <a:prstGeom prst="rect">
+            <a:avLst/>
+          </a:prstGeom>
+          <a:noFill/>
+          <a:ln>
+            <a:noFill/>
+          </a:ln>
+        </p:spPr>
+      </p:pic>
+      <p:cxnSp>
+        <p:nvCxnSpPr>
+          <p:cNvPr id="175" name="Shape 175"/>
+          <p:cNvCxnSpPr/>
+          <p:nvPr/>
+        </p:nvCxnSpPr>
+        <p:spPr>
+          <a:xfrm>
+            <a:off x="159502" y="4794635"/>
+            <a:ext cx="8815499" cy="0"/>
+          </a:xfrm>
+          <a:prstGeom prst="straightConnector1">
+            <a:avLst/>
+          </a:prstGeom>
+          <a:noFill/>
+          <a:ln w="12700" cap="flat" cmpd="sng">
+            <a:solidFill>
+              <a:schemeClr val="dk1"/>
+            </a:solidFill>
+            <a:prstDash val="solid"/>
+            <a:miter/>
+            <a:headEnd type="none" w="med" len="med"/>
+            <a:tailEnd type="none" w="med" len="med"/>
+          </a:ln>
+        </p:spPr>
+      </p:cxnSp>
+      <p:pic>
+        <p:nvPicPr>
+          <p:cNvPr id="6" name="Picture 5"/>
+          <p:cNvPicPr>
+            <a:picLocks noChangeAspect="1"/>
+          </p:cNvPicPr>
+          <p:nvPr/>
+        </p:nvPicPr>
+        <p:blipFill>
+          <a:blip r:embed="rId4">
+            <a:extLst>
+              <a:ext uri="{28A0092B-C50C-407E-A947-70E740481C1C}">
+                <a14:useLocalDpi xmlns:a14="http://schemas.microsoft.com/office/drawing/2010/main" val="0"/>
+              </a:ext>
+            </a:extLst>
+          </a:blip>
+          <a:stretch>
+            <a:fillRect/>
+          </a:stretch>
+        </p:blipFill>
+        <p:spPr>
+          <a:xfrm>
+            <a:off x="4559300" y="2565400"/>
+            <a:ext cx="25400" cy="12700"/>
+          </a:xfrm>
+          <a:prstGeom prst="rect">
+            <a:avLst/>
+          </a:prstGeom>
+        </p:spPr>
+      </p:pic>
+      <p:sp>
+        <p:nvSpPr>
+          <p:cNvPr id="8" name="Title 1"/>
+          <p:cNvSpPr txBox="1">
+            <a:spLocks/>
+          </p:cNvSpPr>
+          <p:nvPr/>
+        </p:nvSpPr>
+        <p:spPr>
+          <a:xfrm>
+            <a:off x="441459" y="160392"/>
+            <a:ext cx="8261082" cy="374266"/>
+          </a:xfrm>
+          <a:prstGeom prst="rect">
+            <a:avLst/>
+          </a:prstGeom>
+          <a:noFill/>
+          <a:ln>
+            <a:noFill/>
+          </a:ln>
+        </p:spPr>
+        <p:txBody>
+          <a:bodyPr lIns="68575" tIns="34275" rIns="68575" bIns="34275" anchor="ctr" anchorCtr="0">
+            <a:noAutofit/>
+          </a:bodyPr>
+          <a:lstStyle>
+            <a:defPPr marR="0" lvl="0" algn="l" rtl="0">
+              <a:lnSpc>
+                <a:spcPct val="100000"/>
+              </a:lnSpc>
+              <a:spcBef>
+                <a:spcPts val="0"/>
+              </a:spcBef>
+              <a:spcAft>
+                <a:spcPts val="0"/>
+              </a:spcAft>
+            </a:defPPr>
+            <a:lvl1pPr marL="0" marR="0" lvl="0" indent="0" algn="l" rtl="0">
+              <a:lnSpc>
+                <a:spcPct val="90000"/>
+              </a:lnSpc>
+              <a:spcBef>
+                <a:spcPts val="0"/>
+              </a:spcBef>
+              <a:spcAft>
+                <a:spcPts val="0"/>
+              </a:spcAft>
+              <a:buClr>
+                <a:schemeClr val="dk1"/>
+              </a:buClr>
+              <a:buFont typeface="Calibri"/>
+              <a:buNone/>
+              <a:defRPr sz="3300" b="0" i="0" u="none" strike="noStrike" cap="none">
+                <a:solidFill>
+                  <a:schemeClr val="dk1"/>
+                </a:solidFill>
+                <a:latin typeface="Calibri"/>
+                <a:ea typeface="Calibri"/>
+                <a:cs typeface="Calibri"/>
+                <a:sym typeface="Calibri"/>
+              </a:defRPr>
+            </a:lvl1pPr>
+            <a:lvl2pPr lvl="1" indent="0" rtl="0">
+              <a:spcBef>
+                <a:spcPts val="0"/>
+              </a:spcBef>
+              <a:buFont typeface="Arial"/>
+              <a:buNone/>
+              <a:defRPr sz="1400"/>
+            </a:lvl2pPr>
+            <a:lvl3pPr lvl="2" indent="0" rtl="0">
+              <a:spcBef>
+                <a:spcPts val="0"/>
+              </a:spcBef>
+              <a:buFont typeface="Arial"/>
+              <a:buNone/>
+              <a:defRPr sz="1400"/>
+            </a:lvl3pPr>
+            <a:lvl4pPr lvl="3" indent="0" rtl="0">
+              <a:spcBef>
+                <a:spcPts val="0"/>
+              </a:spcBef>
+              <a:buFont typeface="Arial"/>
+              <a:buNone/>
+              <a:defRPr sz="1400"/>
+            </a:lvl4pPr>
+            <a:lvl5pPr lvl="4" indent="0" rtl="0">
+              <a:spcBef>
+                <a:spcPts val="0"/>
+              </a:spcBef>
+              <a:buFont typeface="Arial"/>
+              <a:buNone/>
+              <a:defRPr sz="1400"/>
+            </a:lvl5pPr>
+            <a:lvl6pPr lvl="5" indent="0" rtl="0">
+              <a:spcBef>
+                <a:spcPts val="0"/>
+              </a:spcBef>
+              <a:buFont typeface="Arial"/>
+              <a:buNone/>
+              <a:defRPr sz="1400"/>
+            </a:lvl6pPr>
+            <a:lvl7pPr lvl="6" indent="0" rtl="0">
+              <a:spcBef>
+                <a:spcPts val="0"/>
+              </a:spcBef>
+              <a:buFont typeface="Arial"/>
+              <a:buNone/>
+              <a:defRPr sz="1400"/>
+            </a:lvl7pPr>
+            <a:lvl8pPr lvl="7" indent="0" rtl="0">
+              <a:spcBef>
+                <a:spcPts val="0"/>
+              </a:spcBef>
+              <a:buFont typeface="Arial"/>
+              <a:buNone/>
+              <a:defRPr sz="1400"/>
+            </a:lvl8pPr>
+            <a:lvl9pPr lvl="8" indent="0" rtl="0">
+              <a:spcBef>
+                <a:spcPts val="0"/>
+              </a:spcBef>
+              <a:buFont typeface="Arial"/>
+              <a:buNone/>
+              <a:defRPr sz="1400"/>
+            </a:lvl9pPr>
+          </a:lstStyle>
+          <a:p>
+            <a:pPr marL="177800" algn="ctr"/>
+            <a:r>
+              <a:rPr lang="en-US" sz="2800" b="1" u="sng" dirty="0" smtClean="0">
+                <a:latin typeface="Avenir Book" charset="0"/>
+                <a:ea typeface="Avenir Book" charset="0"/>
+                <a:cs typeface="Avenir Book" charset="0"/>
+              </a:rPr>
+              <a:t>Ad Properties Overview</a:t>
+            </a:r>
+            <a:endParaRPr lang="en-US" sz="2800" b="1" u="sng" dirty="0">
+              <a:latin typeface="Avenir Book" charset="0"/>
+              <a:ea typeface="Avenir Book" charset="0"/>
+              <a:cs typeface="Avenir Book" charset="0"/>
+            </a:endParaRPr>
+          </a:p>
+        </p:txBody>
+      </p:sp>
+      <p:pic>
+        <p:nvPicPr>
           <p:cNvPr id="3" name="Picture 2"/>
           <p:cNvPicPr>
             <a:picLocks noChangeAspect="1"/>
@@ -17210,8 +17650,8 @@
         </p:blipFill>
         <p:spPr>
           <a:xfrm>
-            <a:off x="6220832" y="2039651"/>
-            <a:ext cx="2754170" cy="2587470"/>
+            <a:off x="106436" y="903576"/>
+            <a:ext cx="2967716" cy="2788091"/>
           </a:xfrm>
           <a:prstGeom prst="rect">
             <a:avLst/>
@@ -17227,14 +17667,14 @@
           <p:nvPr>
             <p:extLst>
               <p:ext uri="{D42A27DB-BD31-4B8C-83A1-F6EECF244321}">
-                <p14:modId xmlns:p14="http://schemas.microsoft.com/office/powerpoint/2010/main" val="1476483771"/>
+                <p14:modId xmlns:p14="http://schemas.microsoft.com/office/powerpoint/2010/main" val="2037172898"/>
               </p:ext>
             </p:extLst>
           </p:nvPr>
         </p:nvGraphicFramePr>
         <p:xfrm>
-          <a:off x="159502" y="2041980"/>
-          <a:ext cx="5545507" cy="2629800"/>
+          <a:off x="3074152" y="902683"/>
+          <a:ext cx="5862156" cy="2629800"/>
         </p:xfrm>
         <a:graphic>
           <a:graphicData uri="http://schemas.openxmlformats.org/drawingml/2006/table">
@@ -17243,10 +17683,10 @@
                 <a:tableStyleId>{5C22544A-7EE6-4342-B048-85BDC9FD1C3A}</a:tableStyleId>
               </a:tblPr>
               <a:tblGrid>
-                <a:gridCol w="536028"/>
-                <a:gridCol w="1713187"/>
-                <a:gridCol w="1828800"/>
-                <a:gridCol w="1467492"/>
+                <a:gridCol w="566635"/>
+                <a:gridCol w="1811010"/>
+                <a:gridCol w="1933225"/>
+                <a:gridCol w="1551286"/>
               </a:tblGrid>
               <a:tr h="292200">
                 <a:tc>
@@ -17814,70 +18254,10 @@
           </a:graphicData>
         </a:graphic>
       </p:graphicFrame>
-      <p:pic>
-        <p:nvPicPr>
-          <p:cNvPr id="18" name="Picture 17"/>
-          <p:cNvPicPr>
-            <a:picLocks noChangeAspect="1"/>
-          </p:cNvPicPr>
-          <p:nvPr/>
-        </p:nvPicPr>
-        <p:blipFill>
-          <a:blip r:embed="rId6">
-            <a:extLst>
-              <a:ext uri="{28A0092B-C50C-407E-A947-70E740481C1C}">
-                <a14:useLocalDpi xmlns:a14="http://schemas.microsoft.com/office/drawing/2010/main" val="0"/>
-              </a:ext>
-            </a:extLst>
-          </a:blip>
-          <a:stretch>
-            <a:fillRect/>
-          </a:stretch>
-        </p:blipFill>
-        <p:spPr>
-          <a:xfrm>
-            <a:off x="6262523" y="730816"/>
-            <a:ext cx="2712478" cy="388678"/>
-          </a:xfrm>
-          <a:prstGeom prst="rect">
-            <a:avLst/>
-          </a:prstGeom>
-        </p:spPr>
-      </p:pic>
-      <p:pic>
-        <p:nvPicPr>
-          <p:cNvPr id="7" name="Picture 6"/>
-          <p:cNvPicPr>
-            <a:picLocks noChangeAspect="1"/>
-          </p:cNvPicPr>
-          <p:nvPr/>
-        </p:nvPicPr>
-        <p:blipFill>
-          <a:blip r:embed="rId7">
-            <a:extLst>
-              <a:ext uri="{28A0092B-C50C-407E-A947-70E740481C1C}">
-                <a14:useLocalDpi xmlns:a14="http://schemas.microsoft.com/office/drawing/2010/main" val="0"/>
-              </a:ext>
-            </a:extLst>
-          </a:blip>
-          <a:stretch>
-            <a:fillRect/>
-          </a:stretch>
-        </p:blipFill>
-        <p:spPr>
-          <a:xfrm>
-            <a:off x="5592249" y="1166213"/>
-            <a:ext cx="3395761" cy="780000"/>
-          </a:xfrm>
-          <a:prstGeom prst="rect">
-            <a:avLst/>
-          </a:prstGeom>
-        </p:spPr>
-      </p:pic>
     </p:spTree>
     <p:extLst>
       <p:ext uri="{BB962C8B-B14F-4D97-AF65-F5344CB8AC3E}">
-        <p14:creationId xmlns:p14="http://schemas.microsoft.com/office/powerpoint/2010/main" val="636725159"/>
+        <p14:creationId xmlns:p14="http://schemas.microsoft.com/office/powerpoint/2010/main" val="820149138"/>
       </p:ext>
     </p:extLst>
   </p:cSld>

--- a/FacebookNativeAds_LPintegration.pptx
+++ b/FacebookNativeAds_LPintegration.pptx
@@ -17650,7 +17650,7 @@
         </p:blipFill>
         <p:spPr>
           <a:xfrm>
-            <a:off x="106436" y="903576"/>
+            <a:off x="106436" y="668794"/>
             <a:ext cx="2967716" cy="2788091"/>
           </a:xfrm>
           <a:prstGeom prst="rect">
@@ -17667,13 +17667,13 @@
           <p:nvPr>
             <p:extLst>
               <p:ext uri="{D42A27DB-BD31-4B8C-83A1-F6EECF244321}">
-                <p14:modId xmlns:p14="http://schemas.microsoft.com/office/powerpoint/2010/main" val="2037172898"/>
+                <p14:modId xmlns:p14="http://schemas.microsoft.com/office/powerpoint/2010/main" val="2015578617"/>
               </p:ext>
             </p:extLst>
           </p:nvPr>
         </p:nvGraphicFramePr>
         <p:xfrm>
-          <a:off x="3074152" y="902683"/>
+          <a:off x="3074152" y="667900"/>
           <a:ext cx="5862156" cy="2629800"/>
         </p:xfrm>
         <a:graphic>
@@ -18254,6 +18254,187 @@
           </a:graphicData>
         </a:graphic>
       </p:graphicFrame>
+      <p:sp>
+        <p:nvSpPr>
+          <p:cNvPr id="12" name="Text Placeholder 2"/>
+          <p:cNvSpPr>
+            <a:spLocks noGrp="1"/>
+          </p:cNvSpPr>
+          <p:nvPr>
+            <p:ph type="body" idx="1"/>
+          </p:nvPr>
+        </p:nvSpPr>
+        <p:spPr>
+          <a:xfrm>
+            <a:off x="176950" y="3596787"/>
+            <a:ext cx="8815499" cy="996817"/>
+          </a:xfrm>
+        </p:spPr>
+        <p:txBody>
+          <a:bodyPr anchor="t"/>
+          <a:lstStyle/>
+          <a:p>
+            <a:pPr indent="0">
+              <a:buNone/>
+            </a:pPr>
+            <a:r>
+              <a:rPr lang="en-US" sz="1800" b="1" dirty="0" smtClean="0">
+                <a:latin typeface="Avenir Book" charset="0"/>
+                <a:ea typeface="Avenir Book" charset="0"/>
+                <a:cs typeface="Avenir Book" charset="0"/>
+              </a:rPr>
+              <a:t>RESOURCES:</a:t>
+            </a:r>
+          </a:p>
+          <a:p>
+            <a:r>
+              <a:rPr lang="en-US" sz="1400" u="sng" dirty="0" smtClean="0">
+                <a:latin typeface="Avenir Book" charset="0"/>
+                <a:ea typeface="Avenir Book" charset="0"/>
+                <a:cs typeface="Avenir Book" charset="0"/>
+              </a:rPr>
+              <a:t>Native Ad Templates:</a:t>
+            </a:r>
+            <a:r>
+              <a:rPr lang="en-US" sz="1400" b="1" dirty="0">
+                <a:latin typeface="Avenir Book" charset="0"/>
+                <a:ea typeface="Avenir Book" charset="0"/>
+                <a:cs typeface="Avenir Book" charset="0"/>
+              </a:rPr>
+              <a:t> </a:t>
+            </a:r>
+            <a:r>
+              <a:rPr lang="en-US" sz="1400" b="1" dirty="0">
+                <a:latin typeface="Avenir Book" charset="0"/>
+                <a:ea typeface="Avenir Book" charset="0"/>
+                <a:cs typeface="Avenir Book" charset="0"/>
+                <a:hlinkClick r:id="rId6"/>
+              </a:rPr>
+              <a:t>https://</a:t>
+            </a:r>
+            <a:r>
+              <a:rPr lang="en-US" sz="1400" b="1" dirty="0" smtClean="0">
+                <a:latin typeface="Avenir Book" charset="0"/>
+                <a:ea typeface="Avenir Book" charset="0"/>
+                <a:cs typeface="Avenir Book" charset="0"/>
+                <a:hlinkClick r:id="rId6"/>
+              </a:rPr>
+              <a:t>developers.facebook.com/docs/audience-network/ios/nativeadtemplate</a:t>
+            </a:r>
+            <a:endParaRPr lang="en-US" sz="1400" b="1" dirty="0" smtClean="0">
+              <a:latin typeface="Avenir Book" charset="0"/>
+              <a:ea typeface="Avenir Book" charset="0"/>
+              <a:cs typeface="Avenir Book" charset="0"/>
+            </a:endParaRPr>
+          </a:p>
+          <a:p>
+            <a:r>
+              <a:rPr lang="en-US" sz="1400" u="sng" dirty="0" smtClean="0">
+                <a:latin typeface="Avenir Book" charset="0"/>
+                <a:ea typeface="Avenir Book" charset="0"/>
+                <a:cs typeface="Avenir Book" charset="0"/>
+              </a:rPr>
+              <a:t>Custom Native Ads:</a:t>
+            </a:r>
+            <a:r>
+              <a:rPr lang="en-US" sz="1400" dirty="0">
+                <a:latin typeface="Avenir Book" charset="0"/>
+                <a:ea typeface="Avenir Book" charset="0"/>
+                <a:cs typeface="Avenir Book" charset="0"/>
+              </a:rPr>
+              <a:t> </a:t>
+            </a:r>
+            <a:r>
+              <a:rPr lang="en-US" sz="1400" b="1" dirty="0">
+                <a:latin typeface="Avenir Book" charset="0"/>
+                <a:ea typeface="Avenir Book" charset="0"/>
+                <a:cs typeface="Avenir Book" charset="0"/>
+                <a:hlinkClick r:id="rId7"/>
+              </a:rPr>
+              <a:t>https://</a:t>
+            </a:r>
+            <a:r>
+              <a:rPr lang="en-US" sz="1400" b="1" dirty="0" smtClean="0">
+                <a:latin typeface="Avenir Book" charset="0"/>
+                <a:ea typeface="Avenir Book" charset="0"/>
+                <a:cs typeface="Avenir Book" charset="0"/>
+                <a:hlinkClick r:id="rId7"/>
+              </a:rPr>
+              <a:t>developers.facebook.com/docs/audience-network/ios-native</a:t>
+            </a:r>
+            <a:r>
+              <a:rPr lang="en-US" sz="1400" b="1" dirty="0" smtClean="0">
+                <a:latin typeface="Avenir Book" charset="0"/>
+                <a:ea typeface="Avenir Book" charset="0"/>
+                <a:cs typeface="Avenir Book" charset="0"/>
+              </a:rPr>
+              <a:t> </a:t>
+            </a:r>
+            <a:r>
+              <a:rPr lang="en-US" sz="1400" b="1" u="sng" dirty="0" smtClean="0">
+                <a:latin typeface="Avenir Book" charset="0"/>
+                <a:ea typeface="Avenir Book" charset="0"/>
+                <a:cs typeface="Avenir Book" charset="0"/>
+              </a:rPr>
+              <a:t> </a:t>
+            </a:r>
+          </a:p>
+          <a:p>
+            <a:endParaRPr lang="en-US" sz="1400" b="1" u="sng" dirty="0" smtClean="0">
+              <a:latin typeface="Avenir Book" charset="0"/>
+              <a:ea typeface="Avenir Book" charset="0"/>
+              <a:cs typeface="Avenir Book" charset="0"/>
+            </a:endParaRPr>
+          </a:p>
+          <a:p>
+            <a:pPr marL="520700" indent="-342900">
+              <a:buFont typeface="+mj-lt"/>
+              <a:buAutoNum type="arabicPeriod"/>
+            </a:pPr>
+            <a:endParaRPr lang="en-US" sz="1400" dirty="0">
+              <a:latin typeface="Avenir Book" charset="0"/>
+              <a:ea typeface="Avenir Book" charset="0"/>
+              <a:cs typeface="Avenir Book" charset="0"/>
+            </a:endParaRPr>
+          </a:p>
+          <a:p>
+            <a:pPr fontAlgn="base">
+              <a:buClr>
+                <a:srgbClr val="00B050"/>
+              </a:buClr>
+              <a:buSzPct val="75000"/>
+              <a:buFont typeface="Wingdings" charset="2"/>
+              <a:buChar char="ü"/>
+            </a:pPr>
+            <a:endParaRPr lang="en-US" sz="1200" dirty="0" smtClean="0">
+              <a:latin typeface="Avenir Book" charset="0"/>
+              <a:ea typeface="Avenir Book" charset="0"/>
+              <a:cs typeface="Avenir Book" charset="0"/>
+            </a:endParaRPr>
+          </a:p>
+          <a:p>
+            <a:pPr lvl="1" fontAlgn="base">
+              <a:buClr>
+                <a:srgbClr val="00B050"/>
+              </a:buClr>
+              <a:buSzPct val="75000"/>
+            </a:pPr>
+            <a:endParaRPr lang="en-US" sz="1100" dirty="0">
+              <a:latin typeface="Avenir Book" charset="0"/>
+              <a:ea typeface="Avenir Book" charset="0"/>
+              <a:cs typeface="Avenir Book" charset="0"/>
+            </a:endParaRPr>
+          </a:p>
+          <a:p>
+            <a:pPr lvl="1"/>
+            <a:endParaRPr lang="en-US" dirty="0">
+              <a:latin typeface="Avenir Book" charset="0"/>
+              <a:ea typeface="Avenir Book" charset="0"/>
+              <a:cs typeface="Avenir Book" charset="0"/>
+            </a:endParaRPr>
+          </a:p>
+        </p:txBody>
+      </p:sp>
     </p:spTree>
     <p:extLst>
       <p:ext uri="{BB962C8B-B14F-4D97-AF65-F5344CB8AC3E}">
